--- a/note/界面.pptx
+++ b/note/界面.pptx
@@ -5,7 +5,7 @@
     <p:sldMasterId id="2147483648" r:id="rId1"/>
   </p:sldMasterIdLst>
   <p:notesMasterIdLst>
-    <p:notesMasterId r:id="rId8"/>
+    <p:notesMasterId r:id="rId9"/>
   </p:notesMasterIdLst>
   <p:sldIdLst>
     <p:sldId id="256" r:id="rId2"/>
@@ -14,6 +14,7 @@
     <p:sldId id="261" r:id="rId5"/>
     <p:sldId id="259" r:id="rId6"/>
     <p:sldId id="260" r:id="rId7"/>
+    <p:sldId id="262" r:id="rId8"/>
   </p:sldIdLst>
   <p:sldSz cx="12192000" cy="6858000"/>
   <p:notesSz cx="6858000" cy="9144000"/>
@@ -202,7 +203,7 @@
           <a:p>
             <a:fld id="{DEE9F99E-89E4-4FA2-A2F8-0F70F5FBB299}" type="datetimeFigureOut">
               <a:rPr lang="zh-CN" altLang="en-US" smtClean="0"/>
-              <a:t>2021/12/28</a:t>
+              <a:t>2022/4/22</a:t>
             </a:fld>
             <a:endParaRPr lang="zh-CN" altLang="en-US"/>
           </a:p>
@@ -946,8 +947,20 @@
               <a:t>1</a:t>
             </a:r>
             <a:r>
-              <a:rPr lang="zh-CN" altLang="en-US"/>
-              <a:t>，已执行节点维度展示，</a:t>
+              <a:rPr lang="zh-CN" altLang="en-US" dirty="0"/>
+              <a:t>，已执行节点维度展示</a:t>
+            </a:r>
+            <a:r>
+              <a:rPr lang="zh-CN" altLang="en-US" dirty="0" smtClean="0"/>
+              <a:t>，参考一下</a:t>
+            </a:r>
+            <a:r>
+              <a:rPr lang="en-US" altLang="zh-CN" dirty="0" err="1" smtClean="0"/>
+              <a:t>github</a:t>
+            </a:r>
+            <a:r>
+              <a:rPr lang="zh-CN" altLang="en-US" dirty="0" smtClean="0"/>
+              <a:t>的个人主界面</a:t>
             </a:r>
             <a:endParaRPr lang="zh-CN" altLang="en-US" dirty="0"/>
           </a:p>
@@ -980,6 +993,98 @@
     <p:extLst>
       <p:ext uri="{BB962C8B-B14F-4D97-AF65-F5344CB8AC3E}">
         <p14:creationId xmlns:p14="http://schemas.microsoft.com/office/powerpoint/2010/main" val="1358128456"/>
+      </p:ext>
+    </p:extLst>
+  </p:cSld>
+  <p:clrMapOvr>
+    <a:masterClrMapping/>
+  </p:clrMapOvr>
+</p:notes>
+</file>
+
+<file path=ppt/notesSlides/notesSlide6.xml><?xml version="1.0" encoding="utf-8"?>
+<p:notes xmlns:a="http://schemas.openxmlformats.org/drawingml/2006/main" xmlns:r="http://schemas.openxmlformats.org/officeDocument/2006/relationships" xmlns:p="http://schemas.openxmlformats.org/presentationml/2006/main">
+  <p:cSld>
+    <p:spTree>
+      <p:nvGrpSpPr>
+        <p:cNvPr id="1" name=""/>
+        <p:cNvGrpSpPr/>
+        <p:nvPr/>
+      </p:nvGrpSpPr>
+      <p:grpSpPr>
+        <a:xfrm>
+          <a:off x="0" y="0"/>
+          <a:ext cx="0" cy="0"/>
+          <a:chOff x="0" y="0"/>
+          <a:chExt cx="0" cy="0"/>
+        </a:xfrm>
+      </p:grpSpPr>
+      <p:sp>
+        <p:nvSpPr>
+          <p:cNvPr id="2" name="幻灯片图像占位符 1"/>
+          <p:cNvSpPr>
+            <a:spLocks noGrp="1" noRot="1" noChangeAspect="1"/>
+          </p:cNvSpPr>
+          <p:nvPr>
+            <p:ph type="sldImg"/>
+          </p:nvPr>
+        </p:nvSpPr>
+        <p:spPr/>
+      </p:sp>
+      <p:sp>
+        <p:nvSpPr>
+          <p:cNvPr id="3" name="备注占位符 2"/>
+          <p:cNvSpPr>
+            <a:spLocks noGrp="1"/>
+          </p:cNvSpPr>
+          <p:nvPr>
+            <p:ph type="body" idx="1"/>
+          </p:nvPr>
+        </p:nvSpPr>
+        <p:spPr/>
+        <p:txBody>
+          <a:bodyPr/>
+          <a:lstStyle/>
+          <a:p>
+            <a:r>
+              <a:rPr lang="en-US" altLang="zh-CN" dirty="0" smtClean="0"/>
+              <a:t>1</a:t>
+            </a:r>
+            <a:r>
+              <a:rPr lang="zh-CN" altLang="en-US" dirty="0" smtClean="0"/>
+              <a:t>，提供系统设置</a:t>
+            </a:r>
+            <a:endParaRPr lang="zh-CN" altLang="en-US" dirty="0"/>
+          </a:p>
+        </p:txBody>
+      </p:sp>
+      <p:sp>
+        <p:nvSpPr>
+          <p:cNvPr id="4" name="灯片编号占位符 3"/>
+          <p:cNvSpPr>
+            <a:spLocks noGrp="1"/>
+          </p:cNvSpPr>
+          <p:nvPr>
+            <p:ph type="sldNum" sz="quarter" idx="5"/>
+          </p:nvPr>
+        </p:nvSpPr>
+        <p:spPr/>
+        <p:txBody>
+          <a:bodyPr/>
+          <a:lstStyle/>
+          <a:p>
+            <a:fld id="{9BABC0C1-29F2-48E0-BC36-4608E700C31B}" type="slidenum">
+              <a:rPr lang="zh-CN" altLang="en-US" smtClean="0"/>
+              <a:t>7</a:t>
+            </a:fld>
+            <a:endParaRPr lang="zh-CN" altLang="en-US"/>
+          </a:p>
+        </p:txBody>
+      </p:sp>
+    </p:spTree>
+    <p:extLst>
+      <p:ext uri="{BB962C8B-B14F-4D97-AF65-F5344CB8AC3E}">
+        <p14:creationId xmlns:p14="http://schemas.microsoft.com/office/powerpoint/2010/main" val="1550761550"/>
       </p:ext>
     </p:extLst>
   </p:cSld>
@@ -1136,7 +1241,7 @@
           <a:p>
             <a:fld id="{C2531BE9-73F4-4042-B1B8-F3256721EE0D}" type="datetimeFigureOut">
               <a:rPr lang="zh-CN" altLang="en-US" smtClean="0"/>
-              <a:t>2021/12/28</a:t>
+              <a:t>2022/4/22</a:t>
             </a:fld>
             <a:endParaRPr lang="zh-CN" altLang="en-US"/>
           </a:p>
@@ -1334,7 +1439,7 @@
           <a:p>
             <a:fld id="{C2531BE9-73F4-4042-B1B8-F3256721EE0D}" type="datetimeFigureOut">
               <a:rPr lang="zh-CN" altLang="en-US" smtClean="0"/>
-              <a:t>2021/12/28</a:t>
+              <a:t>2022/4/22</a:t>
             </a:fld>
             <a:endParaRPr lang="zh-CN" altLang="en-US"/>
           </a:p>
@@ -1542,7 +1647,7 @@
           <a:p>
             <a:fld id="{C2531BE9-73F4-4042-B1B8-F3256721EE0D}" type="datetimeFigureOut">
               <a:rPr lang="zh-CN" altLang="en-US" smtClean="0"/>
-              <a:t>2021/12/28</a:t>
+              <a:t>2022/4/22</a:t>
             </a:fld>
             <a:endParaRPr lang="zh-CN" altLang="en-US"/>
           </a:p>
@@ -1740,7 +1845,7 @@
           <a:p>
             <a:fld id="{C2531BE9-73F4-4042-B1B8-F3256721EE0D}" type="datetimeFigureOut">
               <a:rPr lang="zh-CN" altLang="en-US" smtClean="0"/>
-              <a:t>2021/12/28</a:t>
+              <a:t>2022/4/22</a:t>
             </a:fld>
             <a:endParaRPr lang="zh-CN" altLang="en-US"/>
           </a:p>
@@ -2015,7 +2120,7 @@
           <a:p>
             <a:fld id="{C2531BE9-73F4-4042-B1B8-F3256721EE0D}" type="datetimeFigureOut">
               <a:rPr lang="zh-CN" altLang="en-US" smtClean="0"/>
-              <a:t>2021/12/28</a:t>
+              <a:t>2022/4/22</a:t>
             </a:fld>
             <a:endParaRPr lang="zh-CN" altLang="en-US"/>
           </a:p>
@@ -2280,7 +2385,7 @@
           <a:p>
             <a:fld id="{C2531BE9-73F4-4042-B1B8-F3256721EE0D}" type="datetimeFigureOut">
               <a:rPr lang="zh-CN" altLang="en-US" smtClean="0"/>
-              <a:t>2021/12/28</a:t>
+              <a:t>2022/4/22</a:t>
             </a:fld>
             <a:endParaRPr lang="zh-CN" altLang="en-US"/>
           </a:p>
@@ -2692,7 +2797,7 @@
           <a:p>
             <a:fld id="{C2531BE9-73F4-4042-B1B8-F3256721EE0D}" type="datetimeFigureOut">
               <a:rPr lang="zh-CN" altLang="en-US" smtClean="0"/>
-              <a:t>2021/12/28</a:t>
+              <a:t>2022/4/22</a:t>
             </a:fld>
             <a:endParaRPr lang="zh-CN" altLang="en-US"/>
           </a:p>
@@ -2833,7 +2938,7 @@
           <a:p>
             <a:fld id="{C2531BE9-73F4-4042-B1B8-F3256721EE0D}" type="datetimeFigureOut">
               <a:rPr lang="zh-CN" altLang="en-US" smtClean="0"/>
-              <a:t>2021/12/28</a:t>
+              <a:t>2022/4/22</a:t>
             </a:fld>
             <a:endParaRPr lang="zh-CN" altLang="en-US"/>
           </a:p>
@@ -2946,7 +3051,7 @@
           <a:p>
             <a:fld id="{C2531BE9-73F4-4042-B1B8-F3256721EE0D}" type="datetimeFigureOut">
               <a:rPr lang="zh-CN" altLang="en-US" smtClean="0"/>
-              <a:t>2021/12/28</a:t>
+              <a:t>2022/4/22</a:t>
             </a:fld>
             <a:endParaRPr lang="zh-CN" altLang="en-US"/>
           </a:p>
@@ -3257,7 +3362,7 @@
           <a:p>
             <a:fld id="{C2531BE9-73F4-4042-B1B8-F3256721EE0D}" type="datetimeFigureOut">
               <a:rPr lang="zh-CN" altLang="en-US" smtClean="0"/>
-              <a:t>2021/12/28</a:t>
+              <a:t>2022/4/22</a:t>
             </a:fld>
             <a:endParaRPr lang="zh-CN" altLang="en-US"/>
           </a:p>
@@ -3545,7 +3650,7 @@
           <a:p>
             <a:fld id="{C2531BE9-73F4-4042-B1B8-F3256721EE0D}" type="datetimeFigureOut">
               <a:rPr lang="zh-CN" altLang="en-US" smtClean="0"/>
-              <a:t>2021/12/28</a:t>
+              <a:t>2022/4/22</a:t>
             </a:fld>
             <a:endParaRPr lang="zh-CN" altLang="en-US"/>
           </a:p>
@@ -3786,7 +3891,7 @@
           <a:p>
             <a:fld id="{C2531BE9-73F4-4042-B1B8-F3256721EE0D}" type="datetimeFigureOut">
               <a:rPr lang="zh-CN" altLang="en-US" smtClean="0"/>
-              <a:t>2021/12/28</a:t>
+              <a:t>2022/4/22</a:t>
             </a:fld>
             <a:endParaRPr lang="zh-CN" altLang="en-US"/>
           </a:p>
@@ -8844,10 +8949,1080 @@
           </a:fontRef>
         </p:style>
       </p:cxnSp>
+      <p:sp>
+        <p:nvSpPr>
+          <p:cNvPr id="9" name="矩形 8">
+            <a:extLst>
+              <a:ext uri="{FF2B5EF4-FFF2-40B4-BE49-F238E27FC236}">
+                <a16:creationId xmlns:a16="http://schemas.microsoft.com/office/drawing/2014/main" id="{357A85DA-24A0-4A15-A12D-34D7639CCDE7}"/>
+              </a:ext>
+            </a:extLst>
+          </p:cNvPr>
+          <p:cNvSpPr/>
+          <p:nvPr/>
+        </p:nvSpPr>
+        <p:spPr>
+          <a:xfrm>
+            <a:off x="0" y="670560"/>
+            <a:ext cx="2776756" cy="4564170"/>
+          </a:xfrm>
+          <a:prstGeom prst="rect">
+            <a:avLst/>
+          </a:prstGeom>
+          <a:solidFill>
+            <a:schemeClr val="bg1">
+              <a:lumMod val="95000"/>
+            </a:schemeClr>
+          </a:solidFill>
+          <a:ln w="3175">
+            <a:noFill/>
+          </a:ln>
+        </p:spPr>
+        <p:style>
+          <a:lnRef idx="2">
+            <a:schemeClr val="accent1">
+              <a:shade val="50000"/>
+            </a:schemeClr>
+          </a:lnRef>
+          <a:fillRef idx="1">
+            <a:schemeClr val="accent1"/>
+          </a:fillRef>
+          <a:effectRef idx="0">
+            <a:schemeClr val="accent1"/>
+          </a:effectRef>
+          <a:fontRef idx="minor">
+            <a:schemeClr val="lt1"/>
+          </a:fontRef>
+        </p:style>
+        <p:txBody>
+          <a:bodyPr rtlCol="0" anchor="ctr"/>
+          <a:lstStyle/>
+          <a:p>
+            <a:pPr algn="ctr"/>
+            <a:endParaRPr lang="en-US" altLang="zh-CN" dirty="0">
+              <a:solidFill>
+                <a:schemeClr val="tx1"/>
+              </a:solidFill>
+            </a:endParaRPr>
+          </a:p>
+        </p:txBody>
+      </p:sp>
+      <p:sp>
+        <p:nvSpPr>
+          <p:cNvPr id="2" name="矩形 1"/>
+          <p:cNvSpPr/>
+          <p:nvPr/>
+        </p:nvSpPr>
+        <p:spPr>
+          <a:xfrm>
+            <a:off x="176169" y="822960"/>
+            <a:ext cx="1696341" cy="332623"/>
+          </a:xfrm>
+          <a:prstGeom prst="rect">
+            <a:avLst/>
+          </a:prstGeom>
+          <a:solidFill>
+            <a:schemeClr val="bg1"/>
+          </a:solidFill>
+          <a:ln>
+            <a:solidFill>
+              <a:schemeClr val="bg1"/>
+            </a:solidFill>
+          </a:ln>
+        </p:spPr>
+        <p:style>
+          <a:lnRef idx="2">
+            <a:schemeClr val="accent1">
+              <a:shade val="50000"/>
+            </a:schemeClr>
+          </a:lnRef>
+          <a:fillRef idx="1">
+            <a:schemeClr val="accent1"/>
+          </a:fillRef>
+          <a:effectRef idx="0">
+            <a:schemeClr val="accent1"/>
+          </a:effectRef>
+          <a:fontRef idx="minor">
+            <a:schemeClr val="lt1"/>
+          </a:fontRef>
+        </p:style>
+        <p:txBody>
+          <a:bodyPr rtlCol="0" anchor="ctr"/>
+          <a:lstStyle/>
+          <a:p>
+            <a:pPr algn="ctr"/>
+            <a:r>
+              <a:rPr lang="en-US" altLang="zh-CN" dirty="0" smtClean="0">
+                <a:solidFill>
+                  <a:schemeClr val="tx1"/>
+                </a:solidFill>
+              </a:rPr>
+              <a:t>Nodes</a:t>
+            </a:r>
+            <a:r>
+              <a:rPr lang="zh-CN" altLang="en-US" dirty="0" smtClean="0">
+                <a:solidFill>
+                  <a:schemeClr val="tx1"/>
+                </a:solidFill>
+              </a:rPr>
+              <a:t>（</a:t>
+            </a:r>
+            <a:r>
+              <a:rPr lang="en-US" altLang="zh-CN" dirty="0" smtClean="0">
+                <a:solidFill>
+                  <a:schemeClr val="tx1"/>
+                </a:solidFill>
+              </a:rPr>
+              <a:t>title</a:t>
+            </a:r>
+            <a:r>
+              <a:rPr lang="zh-CN" altLang="en-US" dirty="0" smtClean="0">
+                <a:solidFill>
+                  <a:schemeClr val="tx1"/>
+                </a:solidFill>
+              </a:rPr>
+              <a:t>）</a:t>
+            </a:r>
+            <a:endParaRPr lang="zh-CN" altLang="en-US" dirty="0">
+              <a:solidFill>
+                <a:schemeClr val="tx1"/>
+              </a:solidFill>
+            </a:endParaRPr>
+          </a:p>
+        </p:txBody>
+      </p:sp>
+      <p:sp>
+        <p:nvSpPr>
+          <p:cNvPr id="3" name="矩形 2"/>
+          <p:cNvSpPr/>
+          <p:nvPr/>
+        </p:nvSpPr>
+        <p:spPr>
+          <a:xfrm>
+            <a:off x="176169" y="2088859"/>
+            <a:ext cx="2474752" cy="2743200"/>
+          </a:xfrm>
+          <a:prstGeom prst="rect">
+            <a:avLst/>
+          </a:prstGeom>
+          <a:solidFill>
+            <a:schemeClr val="bg1"/>
+          </a:solidFill>
+          <a:ln>
+            <a:solidFill>
+              <a:schemeClr val="bg1"/>
+            </a:solidFill>
+          </a:ln>
+        </p:spPr>
+        <p:style>
+          <a:lnRef idx="2">
+            <a:schemeClr val="accent1">
+              <a:shade val="50000"/>
+            </a:schemeClr>
+          </a:lnRef>
+          <a:fillRef idx="1">
+            <a:schemeClr val="accent1"/>
+          </a:fillRef>
+          <a:effectRef idx="0">
+            <a:schemeClr val="accent1"/>
+          </a:effectRef>
+          <a:fontRef idx="minor">
+            <a:schemeClr val="lt1"/>
+          </a:fontRef>
+        </p:style>
+        <p:txBody>
+          <a:bodyPr rtlCol="0" anchor="ctr"/>
+          <a:lstStyle/>
+          <a:p>
+            <a:pPr algn="ctr"/>
+            <a:r>
+              <a:rPr lang="en-US" altLang="zh-CN" dirty="0" smtClean="0">
+                <a:solidFill>
+                  <a:schemeClr val="tx1"/>
+                </a:solidFill>
+              </a:rPr>
+              <a:t>Node Lists</a:t>
+            </a:r>
+            <a:endParaRPr lang="zh-CN" altLang="en-US" dirty="0">
+              <a:solidFill>
+                <a:schemeClr val="tx1"/>
+              </a:solidFill>
+            </a:endParaRPr>
+          </a:p>
+        </p:txBody>
+      </p:sp>
+      <p:sp>
+        <p:nvSpPr>
+          <p:cNvPr id="11" name="圆角矩形 10"/>
+          <p:cNvSpPr/>
+          <p:nvPr/>
+        </p:nvSpPr>
+        <p:spPr>
+          <a:xfrm>
+            <a:off x="251670" y="1384183"/>
+            <a:ext cx="2399251" cy="343949"/>
+          </a:xfrm>
+          <a:prstGeom prst="roundRect">
+            <a:avLst/>
+          </a:prstGeom>
+          <a:solidFill>
+            <a:schemeClr val="bg1"/>
+          </a:solidFill>
+          <a:ln>
+            <a:solidFill>
+              <a:schemeClr val="bg1"/>
+            </a:solidFill>
+          </a:ln>
+        </p:spPr>
+        <p:style>
+          <a:lnRef idx="2">
+            <a:schemeClr val="accent1">
+              <a:shade val="50000"/>
+            </a:schemeClr>
+          </a:lnRef>
+          <a:fillRef idx="1">
+            <a:schemeClr val="accent1"/>
+          </a:fillRef>
+          <a:effectRef idx="0">
+            <a:schemeClr val="accent1"/>
+          </a:effectRef>
+          <a:fontRef idx="minor">
+            <a:schemeClr val="lt1"/>
+          </a:fontRef>
+        </p:style>
+        <p:txBody>
+          <a:bodyPr rtlCol="0" anchor="ctr"/>
+          <a:lstStyle/>
+          <a:p>
+            <a:pPr algn="ctr"/>
+            <a:r>
+              <a:rPr lang="en-US" altLang="zh-CN" dirty="0" smtClean="0">
+                <a:solidFill>
+                  <a:schemeClr val="tx1"/>
+                </a:solidFill>
+              </a:rPr>
+              <a:t>Find a Node</a:t>
+            </a:r>
+            <a:endParaRPr lang="zh-CN" altLang="en-US" dirty="0">
+              <a:solidFill>
+                <a:schemeClr val="tx1"/>
+              </a:solidFill>
+            </a:endParaRPr>
+          </a:p>
+        </p:txBody>
+      </p:sp>
+      <p:sp>
+        <p:nvSpPr>
+          <p:cNvPr id="12" name="圆角矩形 11"/>
+          <p:cNvSpPr/>
+          <p:nvPr/>
+        </p:nvSpPr>
+        <p:spPr>
+          <a:xfrm>
+            <a:off x="1998345" y="889233"/>
+            <a:ext cx="652576" cy="268448"/>
+          </a:xfrm>
+          <a:prstGeom prst="roundRect">
+            <a:avLst/>
+          </a:prstGeom>
+          <a:ln>
+            <a:solidFill>
+              <a:schemeClr val="bg1"/>
+            </a:solidFill>
+          </a:ln>
+        </p:spPr>
+        <p:style>
+          <a:lnRef idx="2">
+            <a:schemeClr val="accent1">
+              <a:shade val="50000"/>
+            </a:schemeClr>
+          </a:lnRef>
+          <a:fillRef idx="1">
+            <a:schemeClr val="accent1"/>
+          </a:fillRef>
+          <a:effectRef idx="0">
+            <a:schemeClr val="accent1"/>
+          </a:effectRef>
+          <a:fontRef idx="minor">
+            <a:schemeClr val="lt1"/>
+          </a:fontRef>
+        </p:style>
+        <p:txBody>
+          <a:bodyPr rtlCol="0" anchor="ctr"/>
+          <a:lstStyle/>
+          <a:p>
+            <a:pPr algn="ctr"/>
+            <a:r>
+              <a:rPr lang="en-US" altLang="zh-CN" dirty="0" smtClean="0"/>
+              <a:t>Add</a:t>
+            </a:r>
+            <a:endParaRPr lang="zh-CN" altLang="en-US" dirty="0"/>
+          </a:p>
+        </p:txBody>
+      </p:sp>
+      <p:sp>
+        <p:nvSpPr>
+          <p:cNvPr id="13" name="矩形 12"/>
+          <p:cNvSpPr/>
+          <p:nvPr/>
+        </p:nvSpPr>
+        <p:spPr>
+          <a:xfrm>
+            <a:off x="2776756" y="670560"/>
+            <a:ext cx="9392384" cy="5377902"/>
+          </a:xfrm>
+          <a:prstGeom prst="rect">
+            <a:avLst/>
+          </a:prstGeom>
+          <a:solidFill>
+            <a:schemeClr val="bg1"/>
+          </a:solidFill>
+          <a:ln>
+            <a:solidFill>
+              <a:schemeClr val="bg1"/>
+            </a:solidFill>
+          </a:ln>
+        </p:spPr>
+        <p:style>
+          <a:lnRef idx="2">
+            <a:schemeClr val="accent1">
+              <a:shade val="50000"/>
+            </a:schemeClr>
+          </a:lnRef>
+          <a:fillRef idx="1">
+            <a:schemeClr val="accent1"/>
+          </a:fillRef>
+          <a:effectRef idx="0">
+            <a:schemeClr val="accent1"/>
+          </a:effectRef>
+          <a:fontRef idx="minor">
+            <a:schemeClr val="lt1"/>
+          </a:fontRef>
+        </p:style>
+        <p:txBody>
+          <a:bodyPr rtlCol="0" anchor="ctr"/>
+          <a:lstStyle/>
+          <a:p>
+            <a:pPr algn="ctr"/>
+            <a:r>
+              <a:rPr lang="zh-CN" altLang="en-US" dirty="0" smtClean="0">
+                <a:solidFill>
+                  <a:schemeClr val="tx1"/>
+                </a:solidFill>
+              </a:rPr>
+              <a:t>默认按照时间排序出所有已经执行的任务信息</a:t>
+            </a:r>
+            <a:endParaRPr lang="en-US" altLang="zh-CN" dirty="0" smtClean="0">
+              <a:solidFill>
+                <a:schemeClr val="tx1"/>
+              </a:solidFill>
+            </a:endParaRPr>
+          </a:p>
+          <a:p>
+            <a:pPr algn="ctr"/>
+            <a:r>
+              <a:rPr lang="zh-CN" altLang="en-US" dirty="0" smtClean="0">
+                <a:solidFill>
+                  <a:schemeClr val="tx1"/>
+                </a:solidFill>
+              </a:rPr>
+              <a:t>选择具体</a:t>
+            </a:r>
+            <a:r>
+              <a:rPr lang="en-US" altLang="zh-CN" dirty="0" smtClean="0">
+                <a:solidFill>
+                  <a:schemeClr val="tx1"/>
+                </a:solidFill>
+              </a:rPr>
+              <a:t>node</a:t>
+            </a:r>
+            <a:r>
+              <a:rPr lang="zh-CN" altLang="en-US" dirty="0" smtClean="0">
+                <a:solidFill>
+                  <a:schemeClr val="tx1"/>
+                </a:solidFill>
+              </a:rPr>
+              <a:t>后展示该</a:t>
+            </a:r>
+            <a:r>
+              <a:rPr lang="en-US" altLang="zh-CN" dirty="0" smtClean="0">
+                <a:solidFill>
+                  <a:schemeClr val="tx1"/>
+                </a:solidFill>
+              </a:rPr>
+              <a:t>Node</a:t>
+            </a:r>
+            <a:r>
+              <a:rPr lang="zh-CN" altLang="en-US" dirty="0" smtClean="0">
+                <a:solidFill>
+                  <a:schemeClr val="tx1"/>
+                </a:solidFill>
+              </a:rPr>
+              <a:t>中任务执行信息</a:t>
+            </a:r>
+            <a:endParaRPr lang="zh-CN" altLang="en-US" dirty="0">
+              <a:solidFill>
+                <a:schemeClr val="tx1"/>
+              </a:solidFill>
+            </a:endParaRPr>
+          </a:p>
+        </p:txBody>
+      </p:sp>
     </p:spTree>
     <p:extLst>
       <p:ext uri="{BB962C8B-B14F-4D97-AF65-F5344CB8AC3E}">
         <p14:creationId xmlns:p14="http://schemas.microsoft.com/office/powerpoint/2010/main" val="4221921634"/>
+      </p:ext>
+    </p:extLst>
+  </p:cSld>
+  <p:clrMapOvr>
+    <a:masterClrMapping/>
+  </p:clrMapOvr>
+</p:sld>
+</file>
+
+<file path=ppt/slides/slide7.xml><?xml version="1.0" encoding="utf-8"?>
+<p:sld xmlns:a="http://schemas.openxmlformats.org/drawingml/2006/main" xmlns:r="http://schemas.openxmlformats.org/officeDocument/2006/relationships" xmlns:p="http://schemas.openxmlformats.org/presentationml/2006/main">
+  <p:cSld>
+    <p:spTree>
+      <p:nvGrpSpPr>
+        <p:cNvPr id="1" name=""/>
+        <p:cNvGrpSpPr/>
+        <p:nvPr/>
+      </p:nvGrpSpPr>
+      <p:grpSpPr>
+        <a:xfrm>
+          <a:off x="0" y="0"/>
+          <a:ext cx="0" cy="0"/>
+          <a:chOff x="0" y="0"/>
+          <a:chExt cx="0" cy="0"/>
+        </a:xfrm>
+      </p:grpSpPr>
+      <p:sp>
+        <p:nvSpPr>
+          <p:cNvPr id="4" name="矩形 3">
+            <a:extLst>
+              <a:ext uri="{FF2B5EF4-FFF2-40B4-BE49-F238E27FC236}">
+                <a16:creationId xmlns:a16="http://schemas.microsoft.com/office/drawing/2014/main" id="{27636EB7-B102-4C74-A3E0-95ACCA839E32}"/>
+              </a:ext>
+            </a:extLst>
+          </p:cNvPr>
+          <p:cNvSpPr/>
+          <p:nvPr/>
+        </p:nvSpPr>
+        <p:spPr>
+          <a:xfrm>
+            <a:off x="0" y="13806"/>
+            <a:ext cx="12192000" cy="662940"/>
+          </a:xfrm>
+          <a:prstGeom prst="rect">
+            <a:avLst/>
+          </a:prstGeom>
+          <a:solidFill>
+            <a:schemeClr val="tx2">
+              <a:lumMod val="40000"/>
+              <a:lumOff val="60000"/>
+            </a:schemeClr>
+          </a:solidFill>
+          <a:ln>
+            <a:noFill/>
+          </a:ln>
+        </p:spPr>
+        <p:style>
+          <a:lnRef idx="2">
+            <a:schemeClr val="accent1">
+              <a:shade val="50000"/>
+            </a:schemeClr>
+          </a:lnRef>
+          <a:fillRef idx="1">
+            <a:schemeClr val="accent1"/>
+          </a:fillRef>
+          <a:effectRef idx="0">
+            <a:schemeClr val="accent1"/>
+          </a:effectRef>
+          <a:fontRef idx="minor">
+            <a:schemeClr val="lt1"/>
+          </a:fontRef>
+        </p:style>
+        <p:txBody>
+          <a:bodyPr rtlCol="0" anchor="ctr"/>
+          <a:lstStyle/>
+          <a:p>
+            <a:pPr algn="ctr"/>
+            <a:endParaRPr lang="zh-CN" altLang="en-US" dirty="0"/>
+          </a:p>
+        </p:txBody>
+      </p:sp>
+      <p:sp>
+        <p:nvSpPr>
+          <p:cNvPr id="5" name="矩形 4">
+            <a:extLst>
+              <a:ext uri="{FF2B5EF4-FFF2-40B4-BE49-F238E27FC236}">
+                <a16:creationId xmlns:a16="http://schemas.microsoft.com/office/drawing/2014/main" id="{0A2FDF97-522F-4051-8254-53D9630B1512}"/>
+              </a:ext>
+            </a:extLst>
+          </p:cNvPr>
+          <p:cNvSpPr/>
+          <p:nvPr/>
+        </p:nvSpPr>
+        <p:spPr>
+          <a:xfrm>
+            <a:off x="60960" y="160020"/>
+            <a:ext cx="655320" cy="281940"/>
+          </a:xfrm>
+          <a:prstGeom prst="rect">
+            <a:avLst/>
+          </a:prstGeom>
+          <a:noFill/>
+          <a:ln>
+            <a:noFill/>
+          </a:ln>
+        </p:spPr>
+        <p:style>
+          <a:lnRef idx="2">
+            <a:schemeClr val="accent1">
+              <a:shade val="50000"/>
+            </a:schemeClr>
+          </a:lnRef>
+          <a:fillRef idx="1">
+            <a:schemeClr val="accent1"/>
+          </a:fillRef>
+          <a:effectRef idx="0">
+            <a:schemeClr val="accent1"/>
+          </a:effectRef>
+          <a:fontRef idx="minor">
+            <a:schemeClr val="lt1"/>
+          </a:fontRef>
+        </p:style>
+        <p:txBody>
+          <a:bodyPr rtlCol="0" anchor="ctr"/>
+          <a:lstStyle/>
+          <a:p>
+            <a:pPr algn="ctr"/>
+            <a:r>
+              <a:rPr lang="en-US" altLang="zh-CN" dirty="0"/>
+              <a:t>logo</a:t>
+            </a:r>
+            <a:endParaRPr lang="zh-CN" altLang="en-US" dirty="0"/>
+          </a:p>
+        </p:txBody>
+      </p:sp>
+      <p:sp>
+        <p:nvSpPr>
+          <p:cNvPr id="6" name="矩形 5">
+            <a:extLst>
+              <a:ext uri="{FF2B5EF4-FFF2-40B4-BE49-F238E27FC236}">
+                <a16:creationId xmlns:a16="http://schemas.microsoft.com/office/drawing/2014/main" id="{B1962F83-296C-498E-A528-167E9D3E49C7}"/>
+              </a:ext>
+            </a:extLst>
+          </p:cNvPr>
+          <p:cNvSpPr/>
+          <p:nvPr/>
+        </p:nvSpPr>
+        <p:spPr>
+          <a:xfrm>
+            <a:off x="11064240" y="160020"/>
+            <a:ext cx="998220" cy="342900"/>
+          </a:xfrm>
+          <a:prstGeom prst="rect">
+            <a:avLst/>
+          </a:prstGeom>
+          <a:noFill/>
+          <a:ln>
+            <a:noFill/>
+          </a:ln>
+        </p:spPr>
+        <p:style>
+          <a:lnRef idx="2">
+            <a:schemeClr val="accent1">
+              <a:shade val="50000"/>
+            </a:schemeClr>
+          </a:lnRef>
+          <a:fillRef idx="1">
+            <a:schemeClr val="accent1"/>
+          </a:fillRef>
+          <a:effectRef idx="0">
+            <a:schemeClr val="accent1"/>
+          </a:effectRef>
+          <a:fontRef idx="minor">
+            <a:schemeClr val="lt1"/>
+          </a:fontRef>
+        </p:style>
+        <p:txBody>
+          <a:bodyPr rtlCol="0" anchor="ctr"/>
+          <a:lstStyle/>
+          <a:p>
+            <a:pPr algn="ctr"/>
+            <a:r>
+              <a:rPr lang="en-US" altLang="zh-CN" dirty="0"/>
+              <a:t>Admin</a:t>
+            </a:r>
+            <a:endParaRPr lang="zh-CN" altLang="en-US" dirty="0"/>
+          </a:p>
+        </p:txBody>
+      </p:sp>
+      <p:sp>
+        <p:nvSpPr>
+          <p:cNvPr id="7" name="矩形: 圆角 6">
+            <a:extLst>
+              <a:ext uri="{FF2B5EF4-FFF2-40B4-BE49-F238E27FC236}">
+                <a16:creationId xmlns:a16="http://schemas.microsoft.com/office/drawing/2014/main" id="{C348A240-349E-4E20-B0FB-38812489E372}"/>
+              </a:ext>
+            </a:extLst>
+          </p:cNvPr>
+          <p:cNvSpPr/>
+          <p:nvPr/>
+        </p:nvSpPr>
+        <p:spPr>
+          <a:xfrm>
+            <a:off x="807720" y="0"/>
+            <a:ext cx="1120140" cy="662940"/>
+          </a:xfrm>
+          <a:prstGeom prst="roundRect">
+            <a:avLst/>
+          </a:prstGeom>
+          <a:noFill/>
+          <a:ln w="6350">
+            <a:noFill/>
+          </a:ln>
+        </p:spPr>
+        <p:style>
+          <a:lnRef idx="2">
+            <a:schemeClr val="accent1">
+              <a:shade val="50000"/>
+            </a:schemeClr>
+          </a:lnRef>
+          <a:fillRef idx="1">
+            <a:schemeClr val="accent1"/>
+          </a:fillRef>
+          <a:effectRef idx="0">
+            <a:schemeClr val="accent1"/>
+          </a:effectRef>
+          <a:fontRef idx="minor">
+            <a:schemeClr val="lt1"/>
+          </a:fontRef>
+        </p:style>
+        <p:txBody>
+          <a:bodyPr rtlCol="0" anchor="ctr"/>
+          <a:lstStyle/>
+          <a:p>
+            <a:pPr algn="ctr"/>
+            <a:r>
+              <a:rPr lang="zh-CN" altLang="en-US" sz="1600" dirty="0"/>
+              <a:t>任务中心</a:t>
+            </a:r>
+            <a:endParaRPr lang="zh-CN" altLang="en-US" sz="1600" dirty="0"/>
+          </a:p>
+        </p:txBody>
+      </p:sp>
+      <p:sp>
+        <p:nvSpPr>
+          <p:cNvPr id="8" name="矩形: 圆角 7">
+            <a:extLst>
+              <a:ext uri="{FF2B5EF4-FFF2-40B4-BE49-F238E27FC236}">
+                <a16:creationId xmlns:a16="http://schemas.microsoft.com/office/drawing/2014/main" id="{8A9306B9-E99B-4841-B65E-B0C48D67DFC7}"/>
+              </a:ext>
+            </a:extLst>
+          </p:cNvPr>
+          <p:cNvSpPr/>
+          <p:nvPr/>
+        </p:nvSpPr>
+        <p:spPr>
+          <a:xfrm>
+            <a:off x="1927860" y="-7620"/>
+            <a:ext cx="1272540" cy="662940"/>
+          </a:xfrm>
+          <a:prstGeom prst="roundRect">
+            <a:avLst/>
+          </a:prstGeom>
+          <a:noFill/>
+          <a:ln w="6350">
+            <a:noFill/>
+          </a:ln>
+        </p:spPr>
+        <p:style>
+          <a:lnRef idx="2">
+            <a:schemeClr val="accent1">
+              <a:shade val="50000"/>
+            </a:schemeClr>
+          </a:lnRef>
+          <a:fillRef idx="1">
+            <a:schemeClr val="accent1"/>
+          </a:fillRef>
+          <a:effectRef idx="0">
+            <a:schemeClr val="accent1"/>
+          </a:effectRef>
+          <a:fontRef idx="minor">
+            <a:schemeClr val="lt1"/>
+          </a:fontRef>
+        </p:style>
+        <p:txBody>
+          <a:bodyPr rtlCol="0" anchor="ctr"/>
+          <a:lstStyle/>
+          <a:p>
+            <a:pPr algn="ctr"/>
+            <a:r>
+              <a:rPr lang="en-US" altLang="zh-CN" sz="1600" dirty="0"/>
+              <a:t>dashboard</a:t>
+            </a:r>
+            <a:endParaRPr lang="zh-CN" altLang="en-US" sz="1600" dirty="0"/>
+          </a:p>
+        </p:txBody>
+      </p:sp>
+      <p:sp>
+        <p:nvSpPr>
+          <p:cNvPr id="2" name="矩形 1"/>
+          <p:cNvSpPr/>
+          <p:nvPr/>
+        </p:nvSpPr>
+        <p:spPr>
+          <a:xfrm>
+            <a:off x="11152709" y="822959"/>
+            <a:ext cx="821282" cy="578421"/>
+          </a:xfrm>
+          <a:prstGeom prst="rect">
+            <a:avLst/>
+          </a:prstGeom>
+          <a:solidFill>
+            <a:schemeClr val="bg1"/>
+          </a:solidFill>
+          <a:ln>
+            <a:solidFill>
+              <a:schemeClr val="tx1"/>
+            </a:solidFill>
+          </a:ln>
+        </p:spPr>
+        <p:style>
+          <a:lnRef idx="2">
+            <a:schemeClr val="accent1">
+              <a:shade val="50000"/>
+            </a:schemeClr>
+          </a:lnRef>
+          <a:fillRef idx="1">
+            <a:schemeClr val="accent1"/>
+          </a:fillRef>
+          <a:effectRef idx="0">
+            <a:schemeClr val="accent1"/>
+          </a:effectRef>
+          <a:fontRef idx="minor">
+            <a:schemeClr val="lt1"/>
+          </a:fontRef>
+        </p:style>
+        <p:txBody>
+          <a:bodyPr rtlCol="0" anchor="ctr"/>
+          <a:lstStyle/>
+          <a:p>
+            <a:pPr algn="ctr"/>
+            <a:r>
+              <a:rPr lang="zh-CN" altLang="en-US" sz="1400" dirty="0" smtClean="0">
+                <a:solidFill>
+                  <a:schemeClr val="tx1"/>
+                </a:solidFill>
+              </a:rPr>
+              <a:t>提供设置按钮</a:t>
+            </a:r>
+            <a:endParaRPr lang="zh-CN" altLang="en-US" sz="1400" dirty="0">
+              <a:solidFill>
+                <a:schemeClr val="tx1"/>
+              </a:solidFill>
+            </a:endParaRPr>
+          </a:p>
+        </p:txBody>
+      </p:sp>
+      <p:sp>
+        <p:nvSpPr>
+          <p:cNvPr id="9" name="矩形 8"/>
+          <p:cNvSpPr/>
+          <p:nvPr/>
+        </p:nvSpPr>
+        <p:spPr>
+          <a:xfrm>
+            <a:off x="3766657" y="1112170"/>
+            <a:ext cx="4093827" cy="5506744"/>
+          </a:xfrm>
+          <a:prstGeom prst="rect">
+            <a:avLst/>
+          </a:prstGeom>
+          <a:solidFill>
+            <a:schemeClr val="bg1"/>
+          </a:solidFill>
+          <a:ln>
+            <a:solidFill>
+              <a:schemeClr val="tx1"/>
+            </a:solidFill>
+          </a:ln>
+        </p:spPr>
+        <p:style>
+          <a:lnRef idx="2">
+            <a:schemeClr val="accent1">
+              <a:shade val="50000"/>
+            </a:schemeClr>
+          </a:lnRef>
+          <a:fillRef idx="1">
+            <a:schemeClr val="accent1"/>
+          </a:fillRef>
+          <a:effectRef idx="0">
+            <a:schemeClr val="accent1"/>
+          </a:effectRef>
+          <a:fontRef idx="minor">
+            <a:schemeClr val="lt1"/>
+          </a:fontRef>
+        </p:style>
+        <p:txBody>
+          <a:bodyPr rtlCol="0" anchor="ctr"/>
+          <a:lstStyle/>
+          <a:p>
+            <a:pPr algn="ctr"/>
+            <a:r>
+              <a:rPr lang="zh-CN" altLang="en-US" dirty="0" smtClean="0">
+                <a:solidFill>
+                  <a:schemeClr val="tx1"/>
+                </a:solidFill>
+              </a:rPr>
+              <a:t>系统设置列：</a:t>
+            </a:r>
+            <a:endParaRPr lang="en-US" altLang="zh-CN" dirty="0" smtClean="0">
+              <a:solidFill>
+                <a:schemeClr val="tx1"/>
+              </a:solidFill>
+            </a:endParaRPr>
+          </a:p>
+          <a:p>
+            <a:pPr algn="ctr"/>
+            <a:r>
+              <a:rPr lang="en-US" altLang="zh-CN" dirty="0" smtClean="0">
+                <a:solidFill>
+                  <a:schemeClr val="tx1"/>
+                </a:solidFill>
+              </a:rPr>
+              <a:t>1</a:t>
+            </a:r>
+            <a:r>
+              <a:rPr lang="zh-CN" altLang="en-US" dirty="0" smtClean="0">
+                <a:solidFill>
+                  <a:schemeClr val="tx1"/>
+                </a:solidFill>
+              </a:rPr>
+              <a:t>，</a:t>
+            </a:r>
+            <a:r>
+              <a:rPr lang="en-US" altLang="zh-CN" dirty="0" smtClean="0">
+                <a:solidFill>
+                  <a:schemeClr val="tx1"/>
+                </a:solidFill>
+              </a:rPr>
+              <a:t>xxx</a:t>
+            </a:r>
+          </a:p>
+          <a:p>
+            <a:pPr algn="ctr"/>
+            <a:r>
+              <a:rPr lang="en-US" altLang="zh-CN" dirty="0" smtClean="0">
+                <a:solidFill>
+                  <a:schemeClr val="tx1"/>
+                </a:solidFill>
+              </a:rPr>
+              <a:t>2</a:t>
+            </a:r>
+            <a:r>
+              <a:rPr lang="zh-CN" altLang="en-US" dirty="0" smtClean="0">
+                <a:solidFill>
+                  <a:schemeClr val="tx1"/>
+                </a:solidFill>
+              </a:rPr>
+              <a:t>，</a:t>
+            </a:r>
+            <a:r>
+              <a:rPr lang="en-US" altLang="zh-CN" dirty="0" smtClean="0">
+                <a:solidFill>
+                  <a:schemeClr val="tx1"/>
+                </a:solidFill>
+              </a:rPr>
+              <a:t>XXX</a:t>
+            </a:r>
+          </a:p>
+          <a:p>
+            <a:pPr algn="ctr"/>
+            <a:r>
+              <a:rPr lang="en-US" altLang="zh-CN" dirty="0" smtClean="0">
+                <a:solidFill>
+                  <a:schemeClr val="tx1"/>
+                </a:solidFill>
+              </a:rPr>
+              <a:t>3</a:t>
+            </a:r>
+            <a:r>
+              <a:rPr lang="zh-CN" altLang="en-US" dirty="0" smtClean="0">
+                <a:solidFill>
+                  <a:schemeClr val="tx1"/>
+                </a:solidFill>
+              </a:rPr>
+              <a:t>，</a:t>
+            </a:r>
+            <a:r>
+              <a:rPr lang="en-US" altLang="zh-CN" dirty="0" smtClean="0">
+                <a:solidFill>
+                  <a:schemeClr val="tx1"/>
+                </a:solidFill>
+              </a:rPr>
+              <a:t>XXXX</a:t>
+            </a:r>
+            <a:endParaRPr lang="en-US" altLang="zh-CN" dirty="0">
+              <a:solidFill>
+                <a:schemeClr val="tx1"/>
+              </a:solidFill>
+            </a:endParaRPr>
+          </a:p>
+          <a:p>
+            <a:pPr algn="ctr"/>
+            <a:endParaRPr lang="en-US" altLang="zh-CN" dirty="0" smtClean="0">
+              <a:solidFill>
+                <a:schemeClr val="tx1"/>
+              </a:solidFill>
+            </a:endParaRPr>
+          </a:p>
+          <a:p>
+            <a:pPr algn="ctr"/>
+            <a:endParaRPr lang="en-US" altLang="zh-CN" dirty="0">
+              <a:solidFill>
+                <a:schemeClr val="tx1"/>
+              </a:solidFill>
+            </a:endParaRPr>
+          </a:p>
+          <a:p>
+            <a:pPr algn="ctr"/>
+            <a:endParaRPr lang="en-US" altLang="zh-CN" dirty="0" smtClean="0">
+              <a:solidFill>
+                <a:schemeClr val="tx1"/>
+              </a:solidFill>
+            </a:endParaRPr>
+          </a:p>
+          <a:p>
+            <a:pPr algn="ctr"/>
+            <a:endParaRPr lang="en-US" altLang="zh-CN" dirty="0">
+              <a:solidFill>
+                <a:schemeClr val="tx1"/>
+              </a:solidFill>
+            </a:endParaRPr>
+          </a:p>
+          <a:p>
+            <a:pPr algn="ctr"/>
+            <a:endParaRPr lang="en-US" altLang="zh-CN" dirty="0" smtClean="0">
+              <a:solidFill>
+                <a:schemeClr val="tx1"/>
+              </a:solidFill>
+            </a:endParaRPr>
+          </a:p>
+          <a:p>
+            <a:pPr algn="ctr"/>
+            <a:endParaRPr lang="en-US" altLang="zh-CN" dirty="0">
+              <a:solidFill>
+                <a:schemeClr val="tx1"/>
+              </a:solidFill>
+            </a:endParaRPr>
+          </a:p>
+          <a:p>
+            <a:pPr algn="ctr"/>
+            <a:endParaRPr lang="en-US" altLang="zh-CN" dirty="0" smtClean="0">
+              <a:solidFill>
+                <a:schemeClr val="tx1"/>
+              </a:solidFill>
+            </a:endParaRPr>
+          </a:p>
+          <a:p>
+            <a:pPr algn="ctr"/>
+            <a:endParaRPr lang="en-US" altLang="zh-CN" dirty="0">
+              <a:solidFill>
+                <a:schemeClr val="tx1"/>
+              </a:solidFill>
+            </a:endParaRPr>
+          </a:p>
+          <a:p>
+            <a:pPr algn="ctr"/>
+            <a:endParaRPr lang="en-US" altLang="zh-CN" dirty="0" smtClean="0">
+              <a:solidFill>
+                <a:schemeClr val="tx1"/>
+              </a:solidFill>
+            </a:endParaRPr>
+          </a:p>
+          <a:p>
+            <a:pPr algn="ctr"/>
+            <a:endParaRPr lang="en-US" altLang="zh-CN" dirty="0">
+              <a:solidFill>
+                <a:schemeClr val="tx1"/>
+              </a:solidFill>
+            </a:endParaRPr>
+          </a:p>
+          <a:p>
+            <a:pPr algn="ctr"/>
+            <a:endParaRPr lang="en-US" altLang="zh-CN" dirty="0" smtClean="0">
+              <a:solidFill>
+                <a:schemeClr val="tx1"/>
+              </a:solidFill>
+            </a:endParaRPr>
+          </a:p>
+          <a:p>
+            <a:pPr algn="ctr"/>
+            <a:endParaRPr lang="zh-CN" altLang="en-US" dirty="0">
+              <a:solidFill>
+                <a:schemeClr val="tx1"/>
+              </a:solidFill>
+            </a:endParaRPr>
+          </a:p>
+        </p:txBody>
+      </p:sp>
+      <p:sp>
+        <p:nvSpPr>
+          <p:cNvPr id="13" name="等腰三角形 12"/>
+          <p:cNvSpPr/>
+          <p:nvPr/>
+        </p:nvSpPr>
+        <p:spPr>
+          <a:xfrm>
+            <a:off x="11450972" y="502920"/>
+            <a:ext cx="276837" cy="320040"/>
+          </a:xfrm>
+          <a:prstGeom prst="triangle">
+            <a:avLst/>
+          </a:prstGeom>
+          <a:solidFill>
+            <a:schemeClr val="bg1"/>
+          </a:solidFill>
+          <a:ln>
+            <a:solidFill>
+              <a:schemeClr val="tx1"/>
+            </a:solidFill>
+          </a:ln>
+        </p:spPr>
+        <p:style>
+          <a:lnRef idx="2">
+            <a:schemeClr val="accent1">
+              <a:shade val="50000"/>
+            </a:schemeClr>
+          </a:lnRef>
+          <a:fillRef idx="1">
+            <a:schemeClr val="accent1"/>
+          </a:fillRef>
+          <a:effectRef idx="0">
+            <a:schemeClr val="accent1"/>
+          </a:effectRef>
+          <a:fontRef idx="minor">
+            <a:schemeClr val="lt1"/>
+          </a:fontRef>
+        </p:style>
+        <p:txBody>
+          <a:bodyPr rtlCol="0" anchor="ctr"/>
+          <a:lstStyle/>
+          <a:p>
+            <a:pPr algn="ctr"/>
+            <a:endParaRPr lang="zh-CN" altLang="en-US"/>
+          </a:p>
+        </p:txBody>
+      </p:sp>
+    </p:spTree>
+    <p:extLst>
+      <p:ext uri="{BB962C8B-B14F-4D97-AF65-F5344CB8AC3E}">
+        <p14:creationId xmlns:p14="http://schemas.microsoft.com/office/powerpoint/2010/main" val="1981625242"/>
       </p:ext>
     </p:extLst>
   </p:cSld>
